--- a/Presentation(updated).pptx
+++ b/Presentation(updated).pptx
@@ -24,9 +24,10 @@
     <p:sldId id="277" r:id="rId18"/>
     <p:sldId id="269" r:id="rId19"/>
     <p:sldId id="272" r:id="rId20"/>
-    <p:sldId id="273" r:id="rId21"/>
-    <p:sldId id="274" r:id="rId22"/>
-    <p:sldId id="270" r:id="rId23"/>
+    <p:sldId id="278" r:id="rId21"/>
+    <p:sldId id="273" r:id="rId22"/>
+    <p:sldId id="274" r:id="rId23"/>
+    <p:sldId id="270" r:id="rId24"/>
   </p:sldIdLst>
   <p:sldSz cx="12192000" cy="6858000"/>
   <p:notesSz cx="6858000" cy="9144000"/>
@@ -131,6 +132,90 @@
     </p:ext>
   </p:extLst>
 </p:presentation>
+</file>
+
+<file path=ppt/revisionInfo.xml><?xml version="1.0" encoding="utf-8"?>
+<p1510:revInfo xmlns:a="http://schemas.openxmlformats.org/drawingml/2006/main" xmlns:r="http://schemas.openxmlformats.org/officeDocument/2006/relationships" xmlns:p1510="http://schemas.microsoft.com/office/powerpoint/2015/10/main">
+  <p1510:revLst>
+    <p1510:client id="{34D86E73-2FA5-4A3F-BB3B-19D306126B7E}" v="1" dt="2023-05-08T23:28:57.622"/>
+  </p1510:revLst>
+</p1510:revInfo>
+</file>
+
+<file path=ppt/changesInfos/changesInfo1.xml><?xml version="1.0" encoding="utf-8"?>
+<pc:chgInfo xmlns:a="http://schemas.openxmlformats.org/drawingml/2006/main" xmlns:r="http://schemas.openxmlformats.org/officeDocument/2006/relationships" xmlns:ac="http://schemas.microsoft.com/office/drawing/2013/main/command" xmlns:pc="http://schemas.microsoft.com/office/powerpoint/2013/main/command">
+  <pc:docChgLst>
+    <pc:chgData name="Phuong Dinh" userId="ff377d00173367d7" providerId="LiveId" clId="{34D86E73-2FA5-4A3F-BB3B-19D306126B7E}"/>
+    <pc:docChg chg="custSel addSld modSld">
+      <pc:chgData name="Phuong Dinh" userId="ff377d00173367d7" providerId="LiveId" clId="{34D86E73-2FA5-4A3F-BB3B-19D306126B7E}" dt="2023-05-08T23:30:06.192" v="26" actId="14100"/>
+      <pc:docMkLst>
+        <pc:docMk/>
+      </pc:docMkLst>
+      <pc:sldChg chg="modSp mod">
+        <pc:chgData name="Phuong Dinh" userId="ff377d00173367d7" providerId="LiveId" clId="{34D86E73-2FA5-4A3F-BB3B-19D306126B7E}" dt="2023-05-08T23:03:22.124" v="0" actId="14100"/>
+        <pc:sldMkLst>
+          <pc:docMk/>
+          <pc:sldMk cId="494687895" sldId="274"/>
+        </pc:sldMkLst>
+        <pc:picChg chg="mod">
+          <ac:chgData name="Phuong Dinh" userId="ff377d00173367d7" providerId="LiveId" clId="{34D86E73-2FA5-4A3F-BB3B-19D306126B7E}" dt="2023-05-08T23:03:22.124" v="0" actId="14100"/>
+          <ac:picMkLst>
+            <pc:docMk/>
+            <pc:sldMk cId="494687895" sldId="274"/>
+            <ac:picMk id="7" creationId="{15323F57-2A37-E932-EDD4-46E0D1D05940}"/>
+          </ac:picMkLst>
+        </pc:picChg>
+      </pc:sldChg>
+      <pc:sldChg chg="addSp delSp modSp add mod">
+        <pc:chgData name="Phuong Dinh" userId="ff377d00173367d7" providerId="LiveId" clId="{34D86E73-2FA5-4A3F-BB3B-19D306126B7E}" dt="2023-05-08T23:30:06.192" v="26" actId="14100"/>
+        <pc:sldMkLst>
+          <pc:docMk/>
+          <pc:sldMk cId="1151969290" sldId="278"/>
+        </pc:sldMkLst>
+        <pc:spChg chg="mod">
+          <ac:chgData name="Phuong Dinh" userId="ff377d00173367d7" providerId="LiveId" clId="{34D86E73-2FA5-4A3F-BB3B-19D306126B7E}" dt="2023-05-08T23:29:03.120" v="17" actId="20577"/>
+          <ac:spMkLst>
+            <pc:docMk/>
+            <pc:sldMk cId="1151969290" sldId="278"/>
+            <ac:spMk id="2" creationId="{12D832DF-30DA-AD69-39E9-4B2A1C0387E8}"/>
+          </ac:spMkLst>
+        </pc:spChg>
+        <pc:spChg chg="add del mod">
+          <ac:chgData name="Phuong Dinh" userId="ff377d00173367d7" providerId="LiveId" clId="{34D86E73-2FA5-4A3F-BB3B-19D306126B7E}" dt="2023-05-08T23:29:19.331" v="21" actId="478"/>
+          <ac:spMkLst>
+            <pc:docMk/>
+            <pc:sldMk cId="1151969290" sldId="278"/>
+            <ac:spMk id="4" creationId="{0EAFE848-7995-58C8-3D2A-972C0852BBD8}"/>
+          </ac:spMkLst>
+        </pc:spChg>
+        <pc:picChg chg="del">
+          <ac:chgData name="Phuong Dinh" userId="ff377d00173367d7" providerId="LiveId" clId="{34D86E73-2FA5-4A3F-BB3B-19D306126B7E}" dt="2023-05-08T23:29:06.773" v="18" actId="478"/>
+          <ac:picMkLst>
+            <pc:docMk/>
+            <pc:sldMk cId="1151969290" sldId="278"/>
+            <ac:picMk id="5" creationId="{B47C682F-541C-BED6-456A-5192418DDEE5}"/>
+          </ac:picMkLst>
+        </pc:picChg>
+        <pc:picChg chg="add mod">
+          <ac:chgData name="Phuong Dinh" userId="ff377d00173367d7" providerId="LiveId" clId="{34D86E73-2FA5-4A3F-BB3B-19D306126B7E}" dt="2023-05-08T23:30:06.192" v="26" actId="14100"/>
+          <ac:picMkLst>
+            <pc:docMk/>
+            <pc:sldMk cId="1151969290" sldId="278"/>
+            <ac:picMk id="7" creationId="{2BF82699-C043-1555-E752-891609C610AF}"/>
+          </ac:picMkLst>
+        </pc:picChg>
+        <pc:picChg chg="del">
+          <ac:chgData name="Phuong Dinh" userId="ff377d00173367d7" providerId="LiveId" clId="{34D86E73-2FA5-4A3F-BB3B-19D306126B7E}" dt="2023-05-08T23:29:17.165" v="20" actId="478"/>
+          <ac:picMkLst>
+            <pc:docMk/>
+            <pc:sldMk cId="1151969290" sldId="278"/>
+            <ac:picMk id="9" creationId="{863512B2-E23C-B2A3-BF59-0C378FF5A40A}"/>
+          </ac:picMkLst>
+        </pc:picChg>
+      </pc:sldChg>
+    </pc:docChg>
+  </pc:docChgLst>
+</pc:chgInfo>
 </file>
 
 <file path=ppt/slideLayouts/slideLayout1.xml><?xml version="1.0" encoding="utf-8"?>
@@ -634,7 +719,7 @@
           <a:p>
             <a:fld id="{5DBDDF98-C922-483F-97E9-3E76B0201B42}" type="datetimeFigureOut">
               <a:rPr lang="en-US" smtClean="0"/>
-              <a:t>5/8/23</a:t>
+              <a:t>5/8/2023</a:t>
             </a:fld>
             <a:endParaRPr lang="en-US"/>
           </a:p>
@@ -812,7 +897,7 @@
             <a:fld id="{5DBDDF98-C922-483F-97E9-3E76B0201B42}" type="datetimeFigureOut">
               <a:rPr lang="en-US" smtClean="0"/>
               <a:pPr/>
-              <a:t>5/8/23</a:t>
+              <a:t>5/8/2023</a:t>
             </a:fld>
             <a:endParaRPr lang="en-US"/>
           </a:p>
@@ -994,7 +1079,7 @@
             <a:fld id="{5DBDDF98-C922-483F-97E9-3E76B0201B42}" type="datetimeFigureOut">
               <a:rPr lang="en-US" smtClean="0"/>
               <a:pPr/>
-              <a:t>5/8/23</a:t>
+              <a:t>5/8/2023</a:t>
             </a:fld>
             <a:endParaRPr lang="en-US"/>
           </a:p>
@@ -1166,7 +1251,7 @@
             <a:fld id="{5DBDDF98-C922-483F-97E9-3E76B0201B42}" type="datetimeFigureOut">
               <a:rPr lang="en-US" smtClean="0"/>
               <a:pPr/>
-              <a:t>5/8/23</a:t>
+              <a:t>5/8/2023</a:t>
             </a:fld>
             <a:endParaRPr lang="en-US"/>
           </a:p>
@@ -1488,7 +1573,7 @@
           <a:p>
             <a:fld id="{5DBDDF98-C922-483F-97E9-3E76B0201B42}" type="datetimeFigureOut">
               <a:rPr lang="en-US" smtClean="0"/>
-              <a:t>5/8/23</a:t>
+              <a:t>5/8/2023</a:t>
             </a:fld>
             <a:endParaRPr lang="en-US"/>
           </a:p>
@@ -1949,7 +2034,7 @@
             <a:fld id="{5DBDDF98-C922-483F-97E9-3E76B0201B42}" type="datetimeFigureOut">
               <a:rPr lang="en-US" smtClean="0"/>
               <a:pPr/>
-              <a:t>5/8/23</a:t>
+              <a:t>5/8/2023</a:t>
             </a:fld>
             <a:endParaRPr lang="en-US"/>
           </a:p>
@@ -2362,7 +2447,7 @@
             <a:fld id="{5DBDDF98-C922-483F-97E9-3E76B0201B42}" type="datetimeFigureOut">
               <a:rPr lang="en-US" smtClean="0"/>
               <a:pPr/>
-              <a:t>5/8/23</a:t>
+              <a:t>5/8/2023</a:t>
             </a:fld>
             <a:endParaRPr lang="en-US"/>
           </a:p>
@@ -2481,7 +2566,7 @@
           <a:p>
             <a:fld id="{5DBDDF98-C922-483F-97E9-3E76B0201B42}" type="datetimeFigureOut">
               <a:rPr lang="en-US" smtClean="0"/>
-              <a:t>5/8/23</a:t>
+              <a:t>5/8/2023</a:t>
             </a:fld>
             <a:endParaRPr lang="en-US"/>
           </a:p>
@@ -2598,7 +2683,7 @@
           <a:p>
             <a:fld id="{5DBDDF98-C922-483F-97E9-3E76B0201B42}" type="datetimeFigureOut">
               <a:rPr lang="en-US" smtClean="0"/>
-              <a:t>5/8/23</a:t>
+              <a:t>5/8/2023</a:t>
             </a:fld>
             <a:endParaRPr lang="en-US"/>
           </a:p>
@@ -2957,7 +3042,7 @@
             <a:fld id="{5DBDDF98-C922-483F-97E9-3E76B0201B42}" type="datetimeFigureOut">
               <a:rPr lang="en-US" smtClean="0"/>
               <a:pPr/>
-              <a:t>5/8/23</a:t>
+              <a:t>5/8/2023</a:t>
             </a:fld>
             <a:endParaRPr lang="en-US"/>
           </a:p>
@@ -3465,7 +3550,7 @@
           <a:p>
             <a:fld id="{5DBDDF98-C922-483F-97E9-3E76B0201B42}" type="datetimeFigureOut">
               <a:rPr lang="en-US" smtClean="0"/>
-              <a:t>5/8/23</a:t>
+              <a:t>5/8/2023</a:t>
             </a:fld>
             <a:endParaRPr lang="en-US"/>
           </a:p>
@@ -3821,7 +3906,7 @@
             <a:fld id="{5DBDDF98-C922-483F-97E9-3E76B0201B42}" type="datetimeFigureOut">
               <a:rPr lang="en-US" smtClean="0"/>
               <a:pPr/>
-              <a:t>5/8/23</a:t>
+              <a:t>5/8/2023</a:t>
             </a:fld>
             <a:endParaRPr lang="en-US"/>
           </a:p>
@@ -6397,7 +6482,7 @@
                   <a:spcPts val="600"/>
                 </a:spcAft>
               </a:pPr>
-              <a:t>5/8/23</a:t>
+              <a:t>5/8/2023</a:t>
             </a:fld>
             <a:endParaRPr lang="en-US"/>
           </a:p>
@@ -6489,6 +6574,94 @@
 </file>
 
 <file path=ppt/slides/slide20.xml><?xml version="1.0" encoding="utf-8"?>
+<p:sld xmlns:a="http://schemas.openxmlformats.org/drawingml/2006/main" xmlns:r="http://schemas.openxmlformats.org/officeDocument/2006/relationships" xmlns:p="http://schemas.openxmlformats.org/presentationml/2006/main">
+  <p:cSld>
+    <p:spTree>
+      <p:nvGrpSpPr>
+        <p:cNvPr id="1" name=""/>
+        <p:cNvGrpSpPr/>
+        <p:nvPr/>
+      </p:nvGrpSpPr>
+      <p:grpSpPr>
+        <a:xfrm>
+          <a:off x="0" y="0"/>
+          <a:ext cx="0" cy="0"/>
+          <a:chOff x="0" y="0"/>
+          <a:chExt cx="0" cy="0"/>
+        </a:xfrm>
+      </p:grpSpPr>
+      <p:sp>
+        <p:nvSpPr>
+          <p:cNvPr id="2" name="Title 1">
+            <a:extLst>
+              <a:ext uri="{FF2B5EF4-FFF2-40B4-BE49-F238E27FC236}">
+                <a16:creationId xmlns:a16="http://schemas.microsoft.com/office/drawing/2014/main" id="{12D832DF-30DA-AD69-39E9-4B2A1C0387E8}"/>
+              </a:ext>
+            </a:extLst>
+          </p:cNvPr>
+          <p:cNvSpPr>
+            <a:spLocks noGrp="1"/>
+          </p:cNvSpPr>
+          <p:nvPr>
+            <p:ph type="title"/>
+          </p:nvPr>
+        </p:nvSpPr>
+        <p:spPr/>
+        <p:txBody>
+          <a:bodyPr/>
+          <a:lstStyle/>
+          <a:p>
+            <a:r>
+              <a:rPr lang="en-US" dirty="0"/>
+              <a:t>Neural network Grid search</a:t>
+            </a:r>
+          </a:p>
+        </p:txBody>
+      </p:sp>
+      <p:pic>
+        <p:nvPicPr>
+          <p:cNvPr id="7" name="Picture 6">
+            <a:extLst>
+              <a:ext uri="{FF2B5EF4-FFF2-40B4-BE49-F238E27FC236}">
+                <a16:creationId xmlns:a16="http://schemas.microsoft.com/office/drawing/2014/main" id="{2BF82699-C043-1555-E752-891609C610AF}"/>
+              </a:ext>
+            </a:extLst>
+          </p:cNvPr>
+          <p:cNvPicPr>
+            <a:picLocks noChangeAspect="1"/>
+          </p:cNvPicPr>
+          <p:nvPr/>
+        </p:nvPicPr>
+        <p:blipFill>
+          <a:blip r:embed="rId2"/>
+          <a:stretch>
+            <a:fillRect/>
+          </a:stretch>
+        </p:blipFill>
+        <p:spPr>
+          <a:xfrm>
+            <a:off x="1063752" y="2019453"/>
+            <a:ext cx="10454077" cy="3947502"/>
+          </a:xfrm>
+          <a:prstGeom prst="rect">
+            <a:avLst/>
+          </a:prstGeom>
+        </p:spPr>
+      </p:pic>
+    </p:spTree>
+    <p:extLst>
+      <p:ext uri="{BB962C8B-B14F-4D97-AF65-F5344CB8AC3E}">
+        <p14:creationId xmlns:p14="http://schemas.microsoft.com/office/powerpoint/2010/main" val="1151969290"/>
+      </p:ext>
+    </p:extLst>
+  </p:cSld>
+  <p:clrMapOvr>
+    <a:masterClrMapping/>
+  </p:clrMapOvr>
+</p:sld>
+</file>
+
+<file path=ppt/slides/slide21.xml><?xml version="1.0" encoding="utf-8"?>
 <p:sld xmlns:a="http://schemas.openxmlformats.org/drawingml/2006/main" xmlns:r="http://schemas.openxmlformats.org/officeDocument/2006/relationships" xmlns:p="http://schemas.openxmlformats.org/presentationml/2006/main">
   <p:cSld>
     <p:spTree>
@@ -6576,7 +6749,7 @@
 </p:sld>
 </file>
 
-<file path=ppt/slides/slide21.xml><?xml version="1.0" encoding="utf-8"?>
+<file path=ppt/slides/slide22.xml><?xml version="1.0" encoding="utf-8"?>
 <p:sld xmlns:a="http://schemas.openxmlformats.org/drawingml/2006/main" xmlns:r="http://schemas.openxmlformats.org/officeDocument/2006/relationships" xmlns:p="http://schemas.openxmlformats.org/presentationml/2006/main">
   <p:cSld>
     <p:spTree>
@@ -6616,7 +6789,7 @@
         <p:spPr>
           <a:xfrm>
             <a:off x="85421" y="0"/>
-            <a:ext cx="12021157" cy="6858000"/>
+            <a:ext cx="12541081" cy="7154614"/>
           </a:xfrm>
           <a:prstGeom prst="rect">
             <a:avLst/>
@@ -6636,7 +6809,7 @@
 </p:sld>
 </file>
 
-<file path=ppt/slides/slide22.xml><?xml version="1.0" encoding="utf-8"?>
+<file path=ppt/slides/slide23.xml><?xml version="1.0" encoding="utf-8"?>
 <p:sld xmlns:a="http://schemas.openxmlformats.org/drawingml/2006/main" xmlns:r="http://schemas.openxmlformats.org/officeDocument/2006/relationships" xmlns:p="http://schemas.openxmlformats.org/presentationml/2006/main">
   <p:cSld>
     <p:spTree>
